--- a/ppt 16-9/1513.各各他的爱.pptx
+++ b/ppt 16-9/1513.各各他的爱.pptx
@@ -5,7 +5,7 @@
     <p:sldMasterId id="2147483648" r:id="rId1"/>
   </p:sldMasterIdLst>
   <p:sldIdLst>
-    <p:sldId id="3356" r:id="rId2"/>
+    <p:sldId id="3357" r:id="rId2"/>
   </p:sldIdLst>
   <p:sldSz cx="12192000" cy="6858000"/>
   <p:notesSz cx="6858000" cy="9144000"/>
@@ -129,7 +129,7 @@
           <p:cNvPr id="2" name="标题 1">
             <a:extLst>
               <a:ext uri="{FF2B5EF4-FFF2-40B4-BE49-F238E27FC236}">
-                <a16:creationId xmlns:a16="http://schemas.microsoft.com/office/drawing/2014/main" id="{08CB8F53-7E3E-E774-8277-37B2AF0AFE14}"/>
+                <a16:creationId xmlns:a16="http://schemas.microsoft.com/office/drawing/2014/main" id="{33A96E50-8E8D-7487-75A0-E301B061B42B}"/>
               </a:ext>
             </a:extLst>
           </p:cNvPr>
@@ -166,7 +166,7 @@
           <p:cNvPr id="3" name="副标题 2">
             <a:extLst>
               <a:ext uri="{FF2B5EF4-FFF2-40B4-BE49-F238E27FC236}">
-                <a16:creationId xmlns:a16="http://schemas.microsoft.com/office/drawing/2014/main" id="{EE8551E4-8C6F-2285-E7AF-EEE6A49E9CF8}"/>
+                <a16:creationId xmlns:a16="http://schemas.microsoft.com/office/drawing/2014/main" id="{33FD8E60-9454-DB74-8EE0-DD206FC32234}"/>
               </a:ext>
             </a:extLst>
           </p:cNvPr>
@@ -236,7 +236,7 @@
           <p:cNvPr id="4" name="日期占位符 3">
             <a:extLst>
               <a:ext uri="{FF2B5EF4-FFF2-40B4-BE49-F238E27FC236}">
-                <a16:creationId xmlns:a16="http://schemas.microsoft.com/office/drawing/2014/main" id="{333291B3-E6A9-B254-3E4A-60F2699E6CD0}"/>
+                <a16:creationId xmlns:a16="http://schemas.microsoft.com/office/drawing/2014/main" id="{835102DF-847D-D1C4-3FB5-45A18A031E12}"/>
               </a:ext>
             </a:extLst>
           </p:cNvPr>
@@ -252,7 +252,7 @@
           <a:bodyPr/>
           <a:lstStyle/>
           <a:p>
-            <a:fld id="{D21516F7-807E-419C-BBF9-25BBD7E3993B}" type="datetimeFigureOut">
+            <a:fld id="{930A214D-573D-4CC5-AA6A-CCFCD709F5EC}" type="datetimeFigureOut">
               <a:rPr lang="zh-CN" altLang="en-US" smtClean="0"/>
               <a:t>2024/3/10</a:t>
             </a:fld>
@@ -265,7 +265,7 @@
           <p:cNvPr id="5" name="页脚占位符 4">
             <a:extLst>
               <a:ext uri="{FF2B5EF4-FFF2-40B4-BE49-F238E27FC236}">
-                <a16:creationId xmlns:a16="http://schemas.microsoft.com/office/drawing/2014/main" id="{8DB29A99-096E-DE60-8125-4BEDB3B48B5C}"/>
+                <a16:creationId xmlns:a16="http://schemas.microsoft.com/office/drawing/2014/main" id="{FB6436E1-F70E-16A0-25DA-A01814FA42DC}"/>
               </a:ext>
             </a:extLst>
           </p:cNvPr>
@@ -290,7 +290,7 @@
           <p:cNvPr id="6" name="灯片编号占位符 5">
             <a:extLst>
               <a:ext uri="{FF2B5EF4-FFF2-40B4-BE49-F238E27FC236}">
-                <a16:creationId xmlns:a16="http://schemas.microsoft.com/office/drawing/2014/main" id="{5335ED13-CA2C-E4D2-03A8-8981EC3BB852}"/>
+                <a16:creationId xmlns:a16="http://schemas.microsoft.com/office/drawing/2014/main" id="{585F3EC4-95AD-955D-4D69-5BE779F5F456}"/>
               </a:ext>
             </a:extLst>
           </p:cNvPr>
@@ -306,7 +306,7 @@
           <a:bodyPr/>
           <a:lstStyle/>
           <a:p>
-            <a:fld id="{F308143A-419B-4C52-9C36-8E0E05C150DE}" type="slidenum">
+            <a:fld id="{36A8382C-770C-44C0-B185-49E8E5710AE1}" type="slidenum">
               <a:rPr lang="zh-CN" altLang="en-US" smtClean="0"/>
               <a:t>‹#›</a:t>
             </a:fld>
@@ -317,7 +317,7 @@
     </p:spTree>
     <p:extLst>
       <p:ext uri="{BB962C8B-B14F-4D97-AF65-F5344CB8AC3E}">
-        <p14:creationId xmlns:p14="http://schemas.microsoft.com/office/powerpoint/2010/main" val="1612196117"/>
+        <p14:creationId xmlns:p14="http://schemas.microsoft.com/office/powerpoint/2010/main" val="927360102"/>
       </p:ext>
     </p:extLst>
   </p:cSld>
@@ -349,7 +349,7 @@
           <p:cNvPr id="2" name="标题 1">
             <a:extLst>
               <a:ext uri="{FF2B5EF4-FFF2-40B4-BE49-F238E27FC236}">
-                <a16:creationId xmlns:a16="http://schemas.microsoft.com/office/drawing/2014/main" id="{700E7CFE-EF61-FBB7-BB6B-AED5B70D6B2A}"/>
+                <a16:creationId xmlns:a16="http://schemas.microsoft.com/office/drawing/2014/main" id="{EE47BF18-F578-F5B1-3B45-9F657C2104C1}"/>
               </a:ext>
             </a:extLst>
           </p:cNvPr>
@@ -377,7 +377,7 @@
           <p:cNvPr id="3" name="竖排文字占位符 2">
             <a:extLst>
               <a:ext uri="{FF2B5EF4-FFF2-40B4-BE49-F238E27FC236}">
-                <a16:creationId xmlns:a16="http://schemas.microsoft.com/office/drawing/2014/main" id="{1AED8C0C-12C4-5BF3-96F4-F59FF21779DC}"/>
+                <a16:creationId xmlns:a16="http://schemas.microsoft.com/office/drawing/2014/main" id="{4319A233-CB8C-1E9B-A0D9-A6DF510071A5}"/>
               </a:ext>
             </a:extLst>
           </p:cNvPr>
@@ -434,7 +434,7 @@
           <p:cNvPr id="4" name="日期占位符 3">
             <a:extLst>
               <a:ext uri="{FF2B5EF4-FFF2-40B4-BE49-F238E27FC236}">
-                <a16:creationId xmlns:a16="http://schemas.microsoft.com/office/drawing/2014/main" id="{2810A004-A6CA-6D1C-BC7D-3CD392AE3930}"/>
+                <a16:creationId xmlns:a16="http://schemas.microsoft.com/office/drawing/2014/main" id="{648E097D-9121-93B2-7626-9F27CD4D327C}"/>
               </a:ext>
             </a:extLst>
           </p:cNvPr>
@@ -450,7 +450,7 @@
           <a:bodyPr/>
           <a:lstStyle/>
           <a:p>
-            <a:fld id="{D21516F7-807E-419C-BBF9-25BBD7E3993B}" type="datetimeFigureOut">
+            <a:fld id="{930A214D-573D-4CC5-AA6A-CCFCD709F5EC}" type="datetimeFigureOut">
               <a:rPr lang="zh-CN" altLang="en-US" smtClean="0"/>
               <a:t>2024/3/10</a:t>
             </a:fld>
@@ -463,7 +463,7 @@
           <p:cNvPr id="5" name="页脚占位符 4">
             <a:extLst>
               <a:ext uri="{FF2B5EF4-FFF2-40B4-BE49-F238E27FC236}">
-                <a16:creationId xmlns:a16="http://schemas.microsoft.com/office/drawing/2014/main" id="{929793AD-6DF4-1874-2A79-24ED0C8418B4}"/>
+                <a16:creationId xmlns:a16="http://schemas.microsoft.com/office/drawing/2014/main" id="{BADD2163-DA4E-9D74-3FCD-8B12BCCA70BD}"/>
               </a:ext>
             </a:extLst>
           </p:cNvPr>
@@ -488,7 +488,7 @@
           <p:cNvPr id="6" name="灯片编号占位符 5">
             <a:extLst>
               <a:ext uri="{FF2B5EF4-FFF2-40B4-BE49-F238E27FC236}">
-                <a16:creationId xmlns:a16="http://schemas.microsoft.com/office/drawing/2014/main" id="{BF230A88-EB17-0C4F-314C-03A2E0EB3FCC}"/>
+                <a16:creationId xmlns:a16="http://schemas.microsoft.com/office/drawing/2014/main" id="{D3644BB8-2B38-6DD2-176F-5DBCEE8BF9F9}"/>
               </a:ext>
             </a:extLst>
           </p:cNvPr>
@@ -504,7 +504,7 @@
           <a:bodyPr/>
           <a:lstStyle/>
           <a:p>
-            <a:fld id="{F308143A-419B-4C52-9C36-8E0E05C150DE}" type="slidenum">
+            <a:fld id="{36A8382C-770C-44C0-B185-49E8E5710AE1}" type="slidenum">
               <a:rPr lang="zh-CN" altLang="en-US" smtClean="0"/>
               <a:t>‹#›</a:t>
             </a:fld>
@@ -515,7 +515,7 @@
     </p:spTree>
     <p:extLst>
       <p:ext uri="{BB962C8B-B14F-4D97-AF65-F5344CB8AC3E}">
-        <p14:creationId xmlns:p14="http://schemas.microsoft.com/office/powerpoint/2010/main" val="4015498172"/>
+        <p14:creationId xmlns:p14="http://schemas.microsoft.com/office/powerpoint/2010/main" val="3046582818"/>
       </p:ext>
     </p:extLst>
   </p:cSld>
@@ -547,7 +547,7 @@
           <p:cNvPr id="2" name="竖排标题 1">
             <a:extLst>
               <a:ext uri="{FF2B5EF4-FFF2-40B4-BE49-F238E27FC236}">
-                <a16:creationId xmlns:a16="http://schemas.microsoft.com/office/drawing/2014/main" id="{C032CDE5-BF07-68BF-C77C-496128B254C9}"/>
+                <a16:creationId xmlns:a16="http://schemas.microsoft.com/office/drawing/2014/main" id="{F0360CC9-6EAB-5AC7-EB31-8BFF2086DB55}"/>
               </a:ext>
             </a:extLst>
           </p:cNvPr>
@@ -580,7 +580,7 @@
           <p:cNvPr id="3" name="竖排文字占位符 2">
             <a:extLst>
               <a:ext uri="{FF2B5EF4-FFF2-40B4-BE49-F238E27FC236}">
-                <a16:creationId xmlns:a16="http://schemas.microsoft.com/office/drawing/2014/main" id="{ED613B99-8F37-308C-901C-286CF54918CA}"/>
+                <a16:creationId xmlns:a16="http://schemas.microsoft.com/office/drawing/2014/main" id="{B8A46B41-148D-CC15-2454-A375BE03C469}"/>
               </a:ext>
             </a:extLst>
           </p:cNvPr>
@@ -642,7 +642,7 @@
           <p:cNvPr id="4" name="日期占位符 3">
             <a:extLst>
               <a:ext uri="{FF2B5EF4-FFF2-40B4-BE49-F238E27FC236}">
-                <a16:creationId xmlns:a16="http://schemas.microsoft.com/office/drawing/2014/main" id="{F2BE7180-570E-7DA7-4D49-0194573A0A7E}"/>
+                <a16:creationId xmlns:a16="http://schemas.microsoft.com/office/drawing/2014/main" id="{823A506A-8759-4772-40F7-8DC6A8E923FE}"/>
               </a:ext>
             </a:extLst>
           </p:cNvPr>
@@ -658,7 +658,7 @@
           <a:bodyPr/>
           <a:lstStyle/>
           <a:p>
-            <a:fld id="{D21516F7-807E-419C-BBF9-25BBD7E3993B}" type="datetimeFigureOut">
+            <a:fld id="{930A214D-573D-4CC5-AA6A-CCFCD709F5EC}" type="datetimeFigureOut">
               <a:rPr lang="zh-CN" altLang="en-US" smtClean="0"/>
               <a:t>2024/3/10</a:t>
             </a:fld>
@@ -671,7 +671,7 @@
           <p:cNvPr id="5" name="页脚占位符 4">
             <a:extLst>
               <a:ext uri="{FF2B5EF4-FFF2-40B4-BE49-F238E27FC236}">
-                <a16:creationId xmlns:a16="http://schemas.microsoft.com/office/drawing/2014/main" id="{41B370C9-91A6-793A-A61B-FFB22F4C7718}"/>
+                <a16:creationId xmlns:a16="http://schemas.microsoft.com/office/drawing/2014/main" id="{F9AF8DD5-F69D-30EA-DD46-E5436D69812C}"/>
               </a:ext>
             </a:extLst>
           </p:cNvPr>
@@ -696,7 +696,7 @@
           <p:cNvPr id="6" name="灯片编号占位符 5">
             <a:extLst>
               <a:ext uri="{FF2B5EF4-FFF2-40B4-BE49-F238E27FC236}">
-                <a16:creationId xmlns:a16="http://schemas.microsoft.com/office/drawing/2014/main" id="{C5A52CD3-87B2-5E25-3E88-57D44026BEA9}"/>
+                <a16:creationId xmlns:a16="http://schemas.microsoft.com/office/drawing/2014/main" id="{8D7FB5F5-6E0F-5C8C-925B-B2A4F1C31B6C}"/>
               </a:ext>
             </a:extLst>
           </p:cNvPr>
@@ -712,7 +712,7 @@
           <a:bodyPr/>
           <a:lstStyle/>
           <a:p>
-            <a:fld id="{F308143A-419B-4C52-9C36-8E0E05C150DE}" type="slidenum">
+            <a:fld id="{36A8382C-770C-44C0-B185-49E8E5710AE1}" type="slidenum">
               <a:rPr lang="zh-CN" altLang="en-US" smtClean="0"/>
               <a:t>‹#›</a:t>
             </a:fld>
@@ -723,7 +723,7 @@
     </p:spTree>
     <p:extLst>
       <p:ext uri="{BB962C8B-B14F-4D97-AF65-F5344CB8AC3E}">
-        <p14:creationId xmlns:p14="http://schemas.microsoft.com/office/powerpoint/2010/main" val="679208293"/>
+        <p14:creationId xmlns:p14="http://schemas.microsoft.com/office/powerpoint/2010/main" val="1762940947"/>
       </p:ext>
     </p:extLst>
   </p:cSld>
@@ -755,7 +755,7 @@
           <p:cNvPr id="2" name="标题 1">
             <a:extLst>
               <a:ext uri="{FF2B5EF4-FFF2-40B4-BE49-F238E27FC236}">
-                <a16:creationId xmlns:a16="http://schemas.microsoft.com/office/drawing/2014/main" id="{4B69DB97-360C-7F8D-FBA2-C063270587CA}"/>
+                <a16:creationId xmlns:a16="http://schemas.microsoft.com/office/drawing/2014/main" id="{FED584ED-CB69-1B5C-6B43-3BFD90A278D7}"/>
               </a:ext>
             </a:extLst>
           </p:cNvPr>
@@ -783,7 +783,7 @@
           <p:cNvPr id="3" name="内容占位符 2">
             <a:extLst>
               <a:ext uri="{FF2B5EF4-FFF2-40B4-BE49-F238E27FC236}">
-                <a16:creationId xmlns:a16="http://schemas.microsoft.com/office/drawing/2014/main" id="{0604F7A9-15D9-9C55-EEE9-5D3D7C88967D}"/>
+                <a16:creationId xmlns:a16="http://schemas.microsoft.com/office/drawing/2014/main" id="{E77F2952-14AB-A83E-32D7-D7A4F2DE9A06}"/>
               </a:ext>
             </a:extLst>
           </p:cNvPr>
@@ -840,7 +840,7 @@
           <p:cNvPr id="4" name="日期占位符 3">
             <a:extLst>
               <a:ext uri="{FF2B5EF4-FFF2-40B4-BE49-F238E27FC236}">
-                <a16:creationId xmlns:a16="http://schemas.microsoft.com/office/drawing/2014/main" id="{7F198ABF-E840-9FF5-4D65-C606A5FF8CE3}"/>
+                <a16:creationId xmlns:a16="http://schemas.microsoft.com/office/drawing/2014/main" id="{B42002BB-4A4F-D4F0-C7B1-E0317B03345D}"/>
               </a:ext>
             </a:extLst>
           </p:cNvPr>
@@ -856,7 +856,7 @@
           <a:bodyPr/>
           <a:lstStyle/>
           <a:p>
-            <a:fld id="{D21516F7-807E-419C-BBF9-25BBD7E3993B}" type="datetimeFigureOut">
+            <a:fld id="{930A214D-573D-4CC5-AA6A-CCFCD709F5EC}" type="datetimeFigureOut">
               <a:rPr lang="zh-CN" altLang="en-US" smtClean="0"/>
               <a:t>2024/3/10</a:t>
             </a:fld>
@@ -869,7 +869,7 @@
           <p:cNvPr id="5" name="页脚占位符 4">
             <a:extLst>
               <a:ext uri="{FF2B5EF4-FFF2-40B4-BE49-F238E27FC236}">
-                <a16:creationId xmlns:a16="http://schemas.microsoft.com/office/drawing/2014/main" id="{4B3A510C-EEAE-D759-7E2E-C87E4FD929B1}"/>
+                <a16:creationId xmlns:a16="http://schemas.microsoft.com/office/drawing/2014/main" id="{2A719EC7-7D41-99CB-C03E-CA7B463E073D}"/>
               </a:ext>
             </a:extLst>
           </p:cNvPr>
@@ -894,7 +894,7 @@
           <p:cNvPr id="6" name="灯片编号占位符 5">
             <a:extLst>
               <a:ext uri="{FF2B5EF4-FFF2-40B4-BE49-F238E27FC236}">
-                <a16:creationId xmlns:a16="http://schemas.microsoft.com/office/drawing/2014/main" id="{ED1FAE6E-4E3C-3404-8E6E-FFE95BFF9FD8}"/>
+                <a16:creationId xmlns:a16="http://schemas.microsoft.com/office/drawing/2014/main" id="{04288559-46DB-6425-BFEE-F2C30407618A}"/>
               </a:ext>
             </a:extLst>
           </p:cNvPr>
@@ -910,7 +910,7 @@
           <a:bodyPr/>
           <a:lstStyle/>
           <a:p>
-            <a:fld id="{F308143A-419B-4C52-9C36-8E0E05C150DE}" type="slidenum">
+            <a:fld id="{36A8382C-770C-44C0-B185-49E8E5710AE1}" type="slidenum">
               <a:rPr lang="zh-CN" altLang="en-US" smtClean="0"/>
               <a:t>‹#›</a:t>
             </a:fld>
@@ -921,7 +921,7 @@
     </p:spTree>
     <p:extLst>
       <p:ext uri="{BB962C8B-B14F-4D97-AF65-F5344CB8AC3E}">
-        <p14:creationId xmlns:p14="http://schemas.microsoft.com/office/powerpoint/2010/main" val="1983217538"/>
+        <p14:creationId xmlns:p14="http://schemas.microsoft.com/office/powerpoint/2010/main" val="2744635804"/>
       </p:ext>
     </p:extLst>
   </p:cSld>
@@ -953,7 +953,7 @@
           <p:cNvPr id="2" name="标题 1">
             <a:extLst>
               <a:ext uri="{FF2B5EF4-FFF2-40B4-BE49-F238E27FC236}">
-                <a16:creationId xmlns:a16="http://schemas.microsoft.com/office/drawing/2014/main" id="{82AD1F14-85CF-1DA3-FDEE-FC454CC29F40}"/>
+                <a16:creationId xmlns:a16="http://schemas.microsoft.com/office/drawing/2014/main" id="{4C308447-1A8B-7C1B-1738-62F2ADCF5D59}"/>
               </a:ext>
             </a:extLst>
           </p:cNvPr>
@@ -990,7 +990,7 @@
           <p:cNvPr id="3" name="文本占位符 2">
             <a:extLst>
               <a:ext uri="{FF2B5EF4-FFF2-40B4-BE49-F238E27FC236}">
-                <a16:creationId xmlns:a16="http://schemas.microsoft.com/office/drawing/2014/main" id="{CEB43494-603B-AEF7-4902-103BD525149D}"/>
+                <a16:creationId xmlns:a16="http://schemas.microsoft.com/office/drawing/2014/main" id="{86B47B26-5419-5032-12DB-82BEF4C9972F}"/>
               </a:ext>
             </a:extLst>
           </p:cNvPr>
@@ -1115,7 +1115,7 @@
           <p:cNvPr id="4" name="日期占位符 3">
             <a:extLst>
               <a:ext uri="{FF2B5EF4-FFF2-40B4-BE49-F238E27FC236}">
-                <a16:creationId xmlns:a16="http://schemas.microsoft.com/office/drawing/2014/main" id="{F5FDDA50-66CB-62C8-851D-4A3D6DD3A411}"/>
+                <a16:creationId xmlns:a16="http://schemas.microsoft.com/office/drawing/2014/main" id="{871F779A-B68F-11D0-A6F6-1A68DE27CD9B}"/>
               </a:ext>
             </a:extLst>
           </p:cNvPr>
@@ -1131,7 +1131,7 @@
           <a:bodyPr/>
           <a:lstStyle/>
           <a:p>
-            <a:fld id="{D21516F7-807E-419C-BBF9-25BBD7E3993B}" type="datetimeFigureOut">
+            <a:fld id="{930A214D-573D-4CC5-AA6A-CCFCD709F5EC}" type="datetimeFigureOut">
               <a:rPr lang="zh-CN" altLang="en-US" smtClean="0"/>
               <a:t>2024/3/10</a:t>
             </a:fld>
@@ -1144,7 +1144,7 @@
           <p:cNvPr id="5" name="页脚占位符 4">
             <a:extLst>
               <a:ext uri="{FF2B5EF4-FFF2-40B4-BE49-F238E27FC236}">
-                <a16:creationId xmlns:a16="http://schemas.microsoft.com/office/drawing/2014/main" id="{41A3E1B4-4098-5234-4F23-D2692EB2C98C}"/>
+                <a16:creationId xmlns:a16="http://schemas.microsoft.com/office/drawing/2014/main" id="{2FABAA5D-8109-113B-AC9C-1F6C91AA5203}"/>
               </a:ext>
             </a:extLst>
           </p:cNvPr>
@@ -1169,7 +1169,7 @@
           <p:cNvPr id="6" name="灯片编号占位符 5">
             <a:extLst>
               <a:ext uri="{FF2B5EF4-FFF2-40B4-BE49-F238E27FC236}">
-                <a16:creationId xmlns:a16="http://schemas.microsoft.com/office/drawing/2014/main" id="{0020AE12-5541-67F1-C2D1-FA39E465ED1D}"/>
+                <a16:creationId xmlns:a16="http://schemas.microsoft.com/office/drawing/2014/main" id="{789F1507-2FCF-F096-DCDB-CF576D992E77}"/>
               </a:ext>
             </a:extLst>
           </p:cNvPr>
@@ -1185,7 +1185,7 @@
           <a:bodyPr/>
           <a:lstStyle/>
           <a:p>
-            <a:fld id="{F308143A-419B-4C52-9C36-8E0E05C150DE}" type="slidenum">
+            <a:fld id="{36A8382C-770C-44C0-B185-49E8E5710AE1}" type="slidenum">
               <a:rPr lang="zh-CN" altLang="en-US" smtClean="0"/>
               <a:t>‹#›</a:t>
             </a:fld>
@@ -1196,7 +1196,7 @@
     </p:spTree>
     <p:extLst>
       <p:ext uri="{BB962C8B-B14F-4D97-AF65-F5344CB8AC3E}">
-        <p14:creationId xmlns:p14="http://schemas.microsoft.com/office/powerpoint/2010/main" val="1076078852"/>
+        <p14:creationId xmlns:p14="http://schemas.microsoft.com/office/powerpoint/2010/main" val="2535707443"/>
       </p:ext>
     </p:extLst>
   </p:cSld>
@@ -1228,7 +1228,7 @@
           <p:cNvPr id="2" name="标题 1">
             <a:extLst>
               <a:ext uri="{FF2B5EF4-FFF2-40B4-BE49-F238E27FC236}">
-                <a16:creationId xmlns:a16="http://schemas.microsoft.com/office/drawing/2014/main" id="{0BC7583D-116C-F17F-458F-1A1B3B70D859}"/>
+                <a16:creationId xmlns:a16="http://schemas.microsoft.com/office/drawing/2014/main" id="{117C10C1-78CF-D3A8-57F3-320C6AECA1C4}"/>
               </a:ext>
             </a:extLst>
           </p:cNvPr>
@@ -1256,7 +1256,7 @@
           <p:cNvPr id="3" name="内容占位符 2">
             <a:extLst>
               <a:ext uri="{FF2B5EF4-FFF2-40B4-BE49-F238E27FC236}">
-                <a16:creationId xmlns:a16="http://schemas.microsoft.com/office/drawing/2014/main" id="{AB34662D-7092-D7BC-7700-F816C00B7832}"/>
+                <a16:creationId xmlns:a16="http://schemas.microsoft.com/office/drawing/2014/main" id="{9948D4A8-575E-AE45-D0E0-619AFD512B0E}"/>
               </a:ext>
             </a:extLst>
           </p:cNvPr>
@@ -1318,7 +1318,7 @@
           <p:cNvPr id="4" name="内容占位符 3">
             <a:extLst>
               <a:ext uri="{FF2B5EF4-FFF2-40B4-BE49-F238E27FC236}">
-                <a16:creationId xmlns:a16="http://schemas.microsoft.com/office/drawing/2014/main" id="{08A7F292-4F6B-4BAF-734B-65E6A3E8E5ED}"/>
+                <a16:creationId xmlns:a16="http://schemas.microsoft.com/office/drawing/2014/main" id="{1B8AA099-73EC-8B3F-FF5D-5B9C1556DDEC}"/>
               </a:ext>
             </a:extLst>
           </p:cNvPr>
@@ -1380,7 +1380,7 @@
           <p:cNvPr id="5" name="日期占位符 4">
             <a:extLst>
               <a:ext uri="{FF2B5EF4-FFF2-40B4-BE49-F238E27FC236}">
-                <a16:creationId xmlns:a16="http://schemas.microsoft.com/office/drawing/2014/main" id="{73CBA356-591E-3694-28D5-368669E84BC9}"/>
+                <a16:creationId xmlns:a16="http://schemas.microsoft.com/office/drawing/2014/main" id="{34E6B240-9359-71E1-BF61-2B094EF42C06}"/>
               </a:ext>
             </a:extLst>
           </p:cNvPr>
@@ -1396,7 +1396,7 @@
           <a:bodyPr/>
           <a:lstStyle/>
           <a:p>
-            <a:fld id="{D21516F7-807E-419C-BBF9-25BBD7E3993B}" type="datetimeFigureOut">
+            <a:fld id="{930A214D-573D-4CC5-AA6A-CCFCD709F5EC}" type="datetimeFigureOut">
               <a:rPr lang="zh-CN" altLang="en-US" smtClean="0"/>
               <a:t>2024/3/10</a:t>
             </a:fld>
@@ -1409,7 +1409,7 @@
           <p:cNvPr id="6" name="页脚占位符 5">
             <a:extLst>
               <a:ext uri="{FF2B5EF4-FFF2-40B4-BE49-F238E27FC236}">
-                <a16:creationId xmlns:a16="http://schemas.microsoft.com/office/drawing/2014/main" id="{229DE588-007E-0B2F-6AE2-802B05E51D92}"/>
+                <a16:creationId xmlns:a16="http://schemas.microsoft.com/office/drawing/2014/main" id="{9F1ACA10-1C3B-3799-E27A-13AC3AFBDF58}"/>
               </a:ext>
             </a:extLst>
           </p:cNvPr>
@@ -1434,7 +1434,7 @@
           <p:cNvPr id="7" name="灯片编号占位符 6">
             <a:extLst>
               <a:ext uri="{FF2B5EF4-FFF2-40B4-BE49-F238E27FC236}">
-                <a16:creationId xmlns:a16="http://schemas.microsoft.com/office/drawing/2014/main" id="{D62ED659-309D-248D-332E-74D29F329018}"/>
+                <a16:creationId xmlns:a16="http://schemas.microsoft.com/office/drawing/2014/main" id="{EC94B1B8-F509-3E57-FF71-5CA8A466D9C4}"/>
               </a:ext>
             </a:extLst>
           </p:cNvPr>
@@ -1450,7 +1450,7 @@
           <a:bodyPr/>
           <a:lstStyle/>
           <a:p>
-            <a:fld id="{F308143A-419B-4C52-9C36-8E0E05C150DE}" type="slidenum">
+            <a:fld id="{36A8382C-770C-44C0-B185-49E8E5710AE1}" type="slidenum">
               <a:rPr lang="zh-CN" altLang="en-US" smtClean="0"/>
               <a:t>‹#›</a:t>
             </a:fld>
@@ -1461,7 +1461,7 @@
     </p:spTree>
     <p:extLst>
       <p:ext uri="{BB962C8B-B14F-4D97-AF65-F5344CB8AC3E}">
-        <p14:creationId xmlns:p14="http://schemas.microsoft.com/office/powerpoint/2010/main" val="47566040"/>
+        <p14:creationId xmlns:p14="http://schemas.microsoft.com/office/powerpoint/2010/main" val="888971945"/>
       </p:ext>
     </p:extLst>
   </p:cSld>
@@ -1493,7 +1493,7 @@
           <p:cNvPr id="2" name="标题 1">
             <a:extLst>
               <a:ext uri="{FF2B5EF4-FFF2-40B4-BE49-F238E27FC236}">
-                <a16:creationId xmlns:a16="http://schemas.microsoft.com/office/drawing/2014/main" id="{08AA43B9-1DC6-DC33-6740-9ABA67C38D26}"/>
+                <a16:creationId xmlns:a16="http://schemas.microsoft.com/office/drawing/2014/main" id="{C0061318-DCBB-5C79-4ED9-52AC30FE89EB}"/>
               </a:ext>
             </a:extLst>
           </p:cNvPr>
@@ -1526,7 +1526,7 @@
           <p:cNvPr id="3" name="文本占位符 2">
             <a:extLst>
               <a:ext uri="{FF2B5EF4-FFF2-40B4-BE49-F238E27FC236}">
-                <a16:creationId xmlns:a16="http://schemas.microsoft.com/office/drawing/2014/main" id="{053555E2-B9B2-D8F6-2AC8-52E394AD4EFC}"/>
+                <a16:creationId xmlns:a16="http://schemas.microsoft.com/office/drawing/2014/main" id="{8FDB0D2D-2D05-F03E-5498-B020603D020A}"/>
               </a:ext>
             </a:extLst>
           </p:cNvPr>
@@ -1597,7 +1597,7 @@
           <p:cNvPr id="4" name="内容占位符 3">
             <a:extLst>
               <a:ext uri="{FF2B5EF4-FFF2-40B4-BE49-F238E27FC236}">
-                <a16:creationId xmlns:a16="http://schemas.microsoft.com/office/drawing/2014/main" id="{9E3BA5A2-2D41-AFCA-6E86-4A701FBD5CDB}"/>
+                <a16:creationId xmlns:a16="http://schemas.microsoft.com/office/drawing/2014/main" id="{09527F01-3D7D-2C61-B750-F8AD74848EEF}"/>
               </a:ext>
             </a:extLst>
           </p:cNvPr>
@@ -1659,7 +1659,7 @@
           <p:cNvPr id="5" name="文本占位符 4">
             <a:extLst>
               <a:ext uri="{FF2B5EF4-FFF2-40B4-BE49-F238E27FC236}">
-                <a16:creationId xmlns:a16="http://schemas.microsoft.com/office/drawing/2014/main" id="{64DC9FDC-3F47-876D-119C-B48D2A019CD8}"/>
+                <a16:creationId xmlns:a16="http://schemas.microsoft.com/office/drawing/2014/main" id="{03E97BF5-023B-8974-2211-0FDE244E5FFF}"/>
               </a:ext>
             </a:extLst>
           </p:cNvPr>
@@ -1730,7 +1730,7 @@
           <p:cNvPr id="6" name="内容占位符 5">
             <a:extLst>
               <a:ext uri="{FF2B5EF4-FFF2-40B4-BE49-F238E27FC236}">
-                <a16:creationId xmlns:a16="http://schemas.microsoft.com/office/drawing/2014/main" id="{953D839F-C295-57EE-95EB-E061002FEF25}"/>
+                <a16:creationId xmlns:a16="http://schemas.microsoft.com/office/drawing/2014/main" id="{3187D72C-E9C0-6805-695F-09F52737ECCA}"/>
               </a:ext>
             </a:extLst>
           </p:cNvPr>
@@ -1792,7 +1792,7 @@
           <p:cNvPr id="7" name="日期占位符 6">
             <a:extLst>
               <a:ext uri="{FF2B5EF4-FFF2-40B4-BE49-F238E27FC236}">
-                <a16:creationId xmlns:a16="http://schemas.microsoft.com/office/drawing/2014/main" id="{4D4A4650-2337-356C-8884-1C7722977259}"/>
+                <a16:creationId xmlns:a16="http://schemas.microsoft.com/office/drawing/2014/main" id="{C82D0B8D-C3DC-BDA7-4039-285D76013C46}"/>
               </a:ext>
             </a:extLst>
           </p:cNvPr>
@@ -1808,7 +1808,7 @@
           <a:bodyPr/>
           <a:lstStyle/>
           <a:p>
-            <a:fld id="{D21516F7-807E-419C-BBF9-25BBD7E3993B}" type="datetimeFigureOut">
+            <a:fld id="{930A214D-573D-4CC5-AA6A-CCFCD709F5EC}" type="datetimeFigureOut">
               <a:rPr lang="zh-CN" altLang="en-US" smtClean="0"/>
               <a:t>2024/3/10</a:t>
             </a:fld>
@@ -1821,7 +1821,7 @@
           <p:cNvPr id="8" name="页脚占位符 7">
             <a:extLst>
               <a:ext uri="{FF2B5EF4-FFF2-40B4-BE49-F238E27FC236}">
-                <a16:creationId xmlns:a16="http://schemas.microsoft.com/office/drawing/2014/main" id="{7A5D0993-ADB0-53A8-6F4C-0F9EA99CC266}"/>
+                <a16:creationId xmlns:a16="http://schemas.microsoft.com/office/drawing/2014/main" id="{EACC78EE-4912-6EBD-C20B-993B913D16ED}"/>
               </a:ext>
             </a:extLst>
           </p:cNvPr>
@@ -1846,7 +1846,7 @@
           <p:cNvPr id="9" name="灯片编号占位符 8">
             <a:extLst>
               <a:ext uri="{FF2B5EF4-FFF2-40B4-BE49-F238E27FC236}">
-                <a16:creationId xmlns:a16="http://schemas.microsoft.com/office/drawing/2014/main" id="{92772546-4A08-F9DB-2B29-6B2734267AFF}"/>
+                <a16:creationId xmlns:a16="http://schemas.microsoft.com/office/drawing/2014/main" id="{85C92F9C-95C7-B9BF-DD3F-21F3E375EA9D}"/>
               </a:ext>
             </a:extLst>
           </p:cNvPr>
@@ -1862,7 +1862,7 @@
           <a:bodyPr/>
           <a:lstStyle/>
           <a:p>
-            <a:fld id="{F308143A-419B-4C52-9C36-8E0E05C150DE}" type="slidenum">
+            <a:fld id="{36A8382C-770C-44C0-B185-49E8E5710AE1}" type="slidenum">
               <a:rPr lang="zh-CN" altLang="en-US" smtClean="0"/>
               <a:t>‹#›</a:t>
             </a:fld>
@@ -1873,7 +1873,7 @@
     </p:spTree>
     <p:extLst>
       <p:ext uri="{BB962C8B-B14F-4D97-AF65-F5344CB8AC3E}">
-        <p14:creationId xmlns:p14="http://schemas.microsoft.com/office/powerpoint/2010/main" val="3016868138"/>
+        <p14:creationId xmlns:p14="http://schemas.microsoft.com/office/powerpoint/2010/main" val="2150485427"/>
       </p:ext>
     </p:extLst>
   </p:cSld>
@@ -1905,7 +1905,7 @@
           <p:cNvPr id="2" name="标题 1">
             <a:extLst>
               <a:ext uri="{FF2B5EF4-FFF2-40B4-BE49-F238E27FC236}">
-                <a16:creationId xmlns:a16="http://schemas.microsoft.com/office/drawing/2014/main" id="{F9259692-D32F-408F-9438-C3F26B171A4E}"/>
+                <a16:creationId xmlns:a16="http://schemas.microsoft.com/office/drawing/2014/main" id="{C3683599-33A1-CDEA-1F67-5EBB4CF65417}"/>
               </a:ext>
             </a:extLst>
           </p:cNvPr>
@@ -1933,7 +1933,7 @@
           <p:cNvPr id="3" name="日期占位符 2">
             <a:extLst>
               <a:ext uri="{FF2B5EF4-FFF2-40B4-BE49-F238E27FC236}">
-                <a16:creationId xmlns:a16="http://schemas.microsoft.com/office/drawing/2014/main" id="{57AA8BB3-7C7F-E4DD-4F50-E8908F137CE8}"/>
+                <a16:creationId xmlns:a16="http://schemas.microsoft.com/office/drawing/2014/main" id="{A112BFB4-6536-7F87-D4D5-6E8612DE13D6}"/>
               </a:ext>
             </a:extLst>
           </p:cNvPr>
@@ -1949,7 +1949,7 @@
           <a:bodyPr/>
           <a:lstStyle/>
           <a:p>
-            <a:fld id="{D21516F7-807E-419C-BBF9-25BBD7E3993B}" type="datetimeFigureOut">
+            <a:fld id="{930A214D-573D-4CC5-AA6A-CCFCD709F5EC}" type="datetimeFigureOut">
               <a:rPr lang="zh-CN" altLang="en-US" smtClean="0"/>
               <a:t>2024/3/10</a:t>
             </a:fld>
@@ -1962,7 +1962,7 @@
           <p:cNvPr id="4" name="页脚占位符 3">
             <a:extLst>
               <a:ext uri="{FF2B5EF4-FFF2-40B4-BE49-F238E27FC236}">
-                <a16:creationId xmlns:a16="http://schemas.microsoft.com/office/drawing/2014/main" id="{CDB399A2-593D-CA93-0A69-F0C9D9889978}"/>
+                <a16:creationId xmlns:a16="http://schemas.microsoft.com/office/drawing/2014/main" id="{4B16E6D6-9D5C-B4CD-C3DF-F264F04ADF77}"/>
               </a:ext>
             </a:extLst>
           </p:cNvPr>
@@ -1987,7 +1987,7 @@
           <p:cNvPr id="5" name="灯片编号占位符 4">
             <a:extLst>
               <a:ext uri="{FF2B5EF4-FFF2-40B4-BE49-F238E27FC236}">
-                <a16:creationId xmlns:a16="http://schemas.microsoft.com/office/drawing/2014/main" id="{8DC72437-6A2B-15BE-1BC1-283BC7F837E4}"/>
+                <a16:creationId xmlns:a16="http://schemas.microsoft.com/office/drawing/2014/main" id="{C8A6812E-ED4E-E550-C06E-2346F9E95EA8}"/>
               </a:ext>
             </a:extLst>
           </p:cNvPr>
@@ -2003,7 +2003,7 @@
           <a:bodyPr/>
           <a:lstStyle/>
           <a:p>
-            <a:fld id="{F308143A-419B-4C52-9C36-8E0E05C150DE}" type="slidenum">
+            <a:fld id="{36A8382C-770C-44C0-B185-49E8E5710AE1}" type="slidenum">
               <a:rPr lang="zh-CN" altLang="en-US" smtClean="0"/>
               <a:t>‹#›</a:t>
             </a:fld>
@@ -2014,7 +2014,7 @@
     </p:spTree>
     <p:extLst>
       <p:ext uri="{BB962C8B-B14F-4D97-AF65-F5344CB8AC3E}">
-        <p14:creationId xmlns:p14="http://schemas.microsoft.com/office/powerpoint/2010/main" val="533483515"/>
+        <p14:creationId xmlns:p14="http://schemas.microsoft.com/office/powerpoint/2010/main" val="1578273420"/>
       </p:ext>
     </p:extLst>
   </p:cSld>
@@ -2046,7 +2046,7 @@
           <p:cNvPr id="2" name="日期占位符 1">
             <a:extLst>
               <a:ext uri="{FF2B5EF4-FFF2-40B4-BE49-F238E27FC236}">
-                <a16:creationId xmlns:a16="http://schemas.microsoft.com/office/drawing/2014/main" id="{94FD6FF1-B69F-CF3E-F993-F2E6F4A5C075}"/>
+                <a16:creationId xmlns:a16="http://schemas.microsoft.com/office/drawing/2014/main" id="{EC84960D-705D-5097-F21A-8A7B900B16BB}"/>
               </a:ext>
             </a:extLst>
           </p:cNvPr>
@@ -2062,7 +2062,7 @@
           <a:bodyPr/>
           <a:lstStyle/>
           <a:p>
-            <a:fld id="{D21516F7-807E-419C-BBF9-25BBD7E3993B}" type="datetimeFigureOut">
+            <a:fld id="{930A214D-573D-4CC5-AA6A-CCFCD709F5EC}" type="datetimeFigureOut">
               <a:rPr lang="zh-CN" altLang="en-US" smtClean="0"/>
               <a:t>2024/3/10</a:t>
             </a:fld>
@@ -2075,7 +2075,7 @@
           <p:cNvPr id="3" name="页脚占位符 2">
             <a:extLst>
               <a:ext uri="{FF2B5EF4-FFF2-40B4-BE49-F238E27FC236}">
-                <a16:creationId xmlns:a16="http://schemas.microsoft.com/office/drawing/2014/main" id="{0271DDB3-5D89-1991-12A4-A76B4CAC97C4}"/>
+                <a16:creationId xmlns:a16="http://schemas.microsoft.com/office/drawing/2014/main" id="{2E1553E1-8472-92B3-A16F-04B884C63FA4}"/>
               </a:ext>
             </a:extLst>
           </p:cNvPr>
@@ -2100,7 +2100,7 @@
           <p:cNvPr id="4" name="灯片编号占位符 3">
             <a:extLst>
               <a:ext uri="{FF2B5EF4-FFF2-40B4-BE49-F238E27FC236}">
-                <a16:creationId xmlns:a16="http://schemas.microsoft.com/office/drawing/2014/main" id="{FF1D40A8-E49B-CE5A-0A33-69A7EB2C80D6}"/>
+                <a16:creationId xmlns:a16="http://schemas.microsoft.com/office/drawing/2014/main" id="{A5C4AA91-BA01-23EA-BAD7-361A5C1E3F66}"/>
               </a:ext>
             </a:extLst>
           </p:cNvPr>
@@ -2116,7 +2116,7 @@
           <a:bodyPr/>
           <a:lstStyle/>
           <a:p>
-            <a:fld id="{F308143A-419B-4C52-9C36-8E0E05C150DE}" type="slidenum">
+            <a:fld id="{36A8382C-770C-44C0-B185-49E8E5710AE1}" type="slidenum">
               <a:rPr lang="zh-CN" altLang="en-US" smtClean="0"/>
               <a:t>‹#›</a:t>
             </a:fld>
@@ -2127,7 +2127,7 @@
     </p:spTree>
     <p:extLst>
       <p:ext uri="{BB962C8B-B14F-4D97-AF65-F5344CB8AC3E}">
-        <p14:creationId xmlns:p14="http://schemas.microsoft.com/office/powerpoint/2010/main" val="3363761771"/>
+        <p14:creationId xmlns:p14="http://schemas.microsoft.com/office/powerpoint/2010/main" val="339666293"/>
       </p:ext>
     </p:extLst>
   </p:cSld>
@@ -2159,7 +2159,7 @@
           <p:cNvPr id="2" name="标题 1">
             <a:extLst>
               <a:ext uri="{FF2B5EF4-FFF2-40B4-BE49-F238E27FC236}">
-                <a16:creationId xmlns:a16="http://schemas.microsoft.com/office/drawing/2014/main" id="{33FCC3D4-95E5-94FA-4D9B-452BF69CDDCC}"/>
+                <a16:creationId xmlns:a16="http://schemas.microsoft.com/office/drawing/2014/main" id="{619D1E5A-7604-4762-920F-7B82145CB738}"/>
               </a:ext>
             </a:extLst>
           </p:cNvPr>
@@ -2196,7 +2196,7 @@
           <p:cNvPr id="3" name="内容占位符 2">
             <a:extLst>
               <a:ext uri="{FF2B5EF4-FFF2-40B4-BE49-F238E27FC236}">
-                <a16:creationId xmlns:a16="http://schemas.microsoft.com/office/drawing/2014/main" id="{1BAA790C-DD0B-3FBB-98B1-A1EB60F91A62}"/>
+                <a16:creationId xmlns:a16="http://schemas.microsoft.com/office/drawing/2014/main" id="{33CAB627-25F7-D01C-6589-9A7F16820F54}"/>
               </a:ext>
             </a:extLst>
           </p:cNvPr>
@@ -2286,7 +2286,7 @@
           <p:cNvPr id="4" name="文本占位符 3">
             <a:extLst>
               <a:ext uri="{FF2B5EF4-FFF2-40B4-BE49-F238E27FC236}">
-                <a16:creationId xmlns:a16="http://schemas.microsoft.com/office/drawing/2014/main" id="{B48EEE46-1193-019F-C042-527FE22D6DC3}"/>
+                <a16:creationId xmlns:a16="http://schemas.microsoft.com/office/drawing/2014/main" id="{9AC61F29-5C14-5D9C-6D91-2A1AFDF7AD19}"/>
               </a:ext>
             </a:extLst>
           </p:cNvPr>
@@ -2357,7 +2357,7 @@
           <p:cNvPr id="5" name="日期占位符 4">
             <a:extLst>
               <a:ext uri="{FF2B5EF4-FFF2-40B4-BE49-F238E27FC236}">
-                <a16:creationId xmlns:a16="http://schemas.microsoft.com/office/drawing/2014/main" id="{C89C8F87-15D4-FDBC-5BD3-967957CC0837}"/>
+                <a16:creationId xmlns:a16="http://schemas.microsoft.com/office/drawing/2014/main" id="{E0D3E358-C7B0-8AE2-0743-AC2734983E67}"/>
               </a:ext>
             </a:extLst>
           </p:cNvPr>
@@ -2373,7 +2373,7 @@
           <a:bodyPr/>
           <a:lstStyle/>
           <a:p>
-            <a:fld id="{D21516F7-807E-419C-BBF9-25BBD7E3993B}" type="datetimeFigureOut">
+            <a:fld id="{930A214D-573D-4CC5-AA6A-CCFCD709F5EC}" type="datetimeFigureOut">
               <a:rPr lang="zh-CN" altLang="en-US" smtClean="0"/>
               <a:t>2024/3/10</a:t>
             </a:fld>
@@ -2386,7 +2386,7 @@
           <p:cNvPr id="6" name="页脚占位符 5">
             <a:extLst>
               <a:ext uri="{FF2B5EF4-FFF2-40B4-BE49-F238E27FC236}">
-                <a16:creationId xmlns:a16="http://schemas.microsoft.com/office/drawing/2014/main" id="{E377C59C-B958-FF81-B868-5B013D279254}"/>
+                <a16:creationId xmlns:a16="http://schemas.microsoft.com/office/drawing/2014/main" id="{BE9990A0-7BDA-6AE8-2410-5D4FBD312877}"/>
               </a:ext>
             </a:extLst>
           </p:cNvPr>
@@ -2411,7 +2411,7 @@
           <p:cNvPr id="7" name="灯片编号占位符 6">
             <a:extLst>
               <a:ext uri="{FF2B5EF4-FFF2-40B4-BE49-F238E27FC236}">
-                <a16:creationId xmlns:a16="http://schemas.microsoft.com/office/drawing/2014/main" id="{D39A201B-498F-731D-C031-B043E1B6AB74}"/>
+                <a16:creationId xmlns:a16="http://schemas.microsoft.com/office/drawing/2014/main" id="{EBBEB547-5115-B4C1-325A-D02172A7AA81}"/>
               </a:ext>
             </a:extLst>
           </p:cNvPr>
@@ -2427,7 +2427,7 @@
           <a:bodyPr/>
           <a:lstStyle/>
           <a:p>
-            <a:fld id="{F308143A-419B-4C52-9C36-8E0E05C150DE}" type="slidenum">
+            <a:fld id="{36A8382C-770C-44C0-B185-49E8E5710AE1}" type="slidenum">
               <a:rPr lang="zh-CN" altLang="en-US" smtClean="0"/>
               <a:t>‹#›</a:t>
             </a:fld>
@@ -2438,7 +2438,7 @@
     </p:spTree>
     <p:extLst>
       <p:ext uri="{BB962C8B-B14F-4D97-AF65-F5344CB8AC3E}">
-        <p14:creationId xmlns:p14="http://schemas.microsoft.com/office/powerpoint/2010/main" val="2710092594"/>
+        <p14:creationId xmlns:p14="http://schemas.microsoft.com/office/powerpoint/2010/main" val="1204927632"/>
       </p:ext>
     </p:extLst>
   </p:cSld>
@@ -2470,7 +2470,7 @@
           <p:cNvPr id="2" name="标题 1">
             <a:extLst>
               <a:ext uri="{FF2B5EF4-FFF2-40B4-BE49-F238E27FC236}">
-                <a16:creationId xmlns:a16="http://schemas.microsoft.com/office/drawing/2014/main" id="{87738624-8C11-B31C-1C52-5D6EAD42DC71}"/>
+                <a16:creationId xmlns:a16="http://schemas.microsoft.com/office/drawing/2014/main" id="{7FA58537-8BAF-825E-9D33-EF24854C8413}"/>
               </a:ext>
             </a:extLst>
           </p:cNvPr>
@@ -2507,7 +2507,7 @@
           <p:cNvPr id="3" name="图片占位符 2">
             <a:extLst>
               <a:ext uri="{FF2B5EF4-FFF2-40B4-BE49-F238E27FC236}">
-                <a16:creationId xmlns:a16="http://schemas.microsoft.com/office/drawing/2014/main" id="{6B47E498-AFD4-57F6-3215-700E68CB2024}"/>
+                <a16:creationId xmlns:a16="http://schemas.microsoft.com/office/drawing/2014/main" id="{0A945932-5ACE-068A-9119-ABCBDECE507E}"/>
               </a:ext>
             </a:extLst>
           </p:cNvPr>
@@ -2574,7 +2574,7 @@
           <p:cNvPr id="4" name="文本占位符 3">
             <a:extLst>
               <a:ext uri="{FF2B5EF4-FFF2-40B4-BE49-F238E27FC236}">
-                <a16:creationId xmlns:a16="http://schemas.microsoft.com/office/drawing/2014/main" id="{B97D7F7E-646D-B58B-423A-6E45A66B0FDC}"/>
+                <a16:creationId xmlns:a16="http://schemas.microsoft.com/office/drawing/2014/main" id="{83629345-A938-2371-4B56-4092DA6CE88A}"/>
               </a:ext>
             </a:extLst>
           </p:cNvPr>
@@ -2645,7 +2645,7 @@
           <p:cNvPr id="5" name="日期占位符 4">
             <a:extLst>
               <a:ext uri="{FF2B5EF4-FFF2-40B4-BE49-F238E27FC236}">
-                <a16:creationId xmlns:a16="http://schemas.microsoft.com/office/drawing/2014/main" id="{8CDFDE14-406D-5685-B90C-7C97DF7D6992}"/>
+                <a16:creationId xmlns:a16="http://schemas.microsoft.com/office/drawing/2014/main" id="{925674EB-B6CD-ACC0-67B5-37CB6F31B0DC}"/>
               </a:ext>
             </a:extLst>
           </p:cNvPr>
@@ -2661,7 +2661,7 @@
           <a:bodyPr/>
           <a:lstStyle/>
           <a:p>
-            <a:fld id="{D21516F7-807E-419C-BBF9-25BBD7E3993B}" type="datetimeFigureOut">
+            <a:fld id="{930A214D-573D-4CC5-AA6A-CCFCD709F5EC}" type="datetimeFigureOut">
               <a:rPr lang="zh-CN" altLang="en-US" smtClean="0"/>
               <a:t>2024/3/10</a:t>
             </a:fld>
@@ -2674,7 +2674,7 @@
           <p:cNvPr id="6" name="页脚占位符 5">
             <a:extLst>
               <a:ext uri="{FF2B5EF4-FFF2-40B4-BE49-F238E27FC236}">
-                <a16:creationId xmlns:a16="http://schemas.microsoft.com/office/drawing/2014/main" id="{B76E6981-D442-92F5-CF68-5FA187181068}"/>
+                <a16:creationId xmlns:a16="http://schemas.microsoft.com/office/drawing/2014/main" id="{C54CB9F4-D412-D610-6172-CF6D651C944A}"/>
               </a:ext>
             </a:extLst>
           </p:cNvPr>
@@ -2699,7 +2699,7 @@
           <p:cNvPr id="7" name="灯片编号占位符 6">
             <a:extLst>
               <a:ext uri="{FF2B5EF4-FFF2-40B4-BE49-F238E27FC236}">
-                <a16:creationId xmlns:a16="http://schemas.microsoft.com/office/drawing/2014/main" id="{55E4915A-00E8-0434-EF9E-87F02BCA295D}"/>
+                <a16:creationId xmlns:a16="http://schemas.microsoft.com/office/drawing/2014/main" id="{1104ACBC-9A28-B13F-AB35-37BD5A305339}"/>
               </a:ext>
             </a:extLst>
           </p:cNvPr>
@@ -2715,7 +2715,7 @@
           <a:bodyPr/>
           <a:lstStyle/>
           <a:p>
-            <a:fld id="{F308143A-419B-4C52-9C36-8E0E05C150DE}" type="slidenum">
+            <a:fld id="{36A8382C-770C-44C0-B185-49E8E5710AE1}" type="slidenum">
               <a:rPr lang="zh-CN" altLang="en-US" smtClean="0"/>
               <a:t>‹#›</a:t>
             </a:fld>
@@ -2726,7 +2726,7 @@
     </p:spTree>
     <p:extLst>
       <p:ext uri="{BB962C8B-B14F-4D97-AF65-F5344CB8AC3E}">
-        <p14:creationId xmlns:p14="http://schemas.microsoft.com/office/powerpoint/2010/main" val="2643741869"/>
+        <p14:creationId xmlns:p14="http://schemas.microsoft.com/office/powerpoint/2010/main" val="2999859230"/>
       </p:ext>
     </p:extLst>
   </p:cSld>
@@ -2763,7 +2763,7 @@
           <p:cNvPr id="2" name="标题占位符 1">
             <a:extLst>
               <a:ext uri="{FF2B5EF4-FFF2-40B4-BE49-F238E27FC236}">
-                <a16:creationId xmlns:a16="http://schemas.microsoft.com/office/drawing/2014/main" id="{837873F9-A2ED-F4BB-EAA1-FB9B02A41037}"/>
+                <a16:creationId xmlns:a16="http://schemas.microsoft.com/office/drawing/2014/main" id="{1E716F25-C890-52E4-78D8-655B7DA81839}"/>
               </a:ext>
             </a:extLst>
           </p:cNvPr>
@@ -2801,7 +2801,7 @@
           <p:cNvPr id="3" name="文本占位符 2">
             <a:extLst>
               <a:ext uri="{FF2B5EF4-FFF2-40B4-BE49-F238E27FC236}">
-                <a16:creationId xmlns:a16="http://schemas.microsoft.com/office/drawing/2014/main" id="{80D8B921-15A9-4218-79C9-F9A37EF8B52B}"/>
+                <a16:creationId xmlns:a16="http://schemas.microsoft.com/office/drawing/2014/main" id="{C727058A-C9F8-92F5-E43D-BDD54CFED5C1}"/>
               </a:ext>
             </a:extLst>
           </p:cNvPr>
@@ -2868,7 +2868,7 @@
           <p:cNvPr id="4" name="日期占位符 3">
             <a:extLst>
               <a:ext uri="{FF2B5EF4-FFF2-40B4-BE49-F238E27FC236}">
-                <a16:creationId xmlns:a16="http://schemas.microsoft.com/office/drawing/2014/main" id="{F3BF7379-4D76-3F58-F119-4C614CE2BB86}"/>
+                <a16:creationId xmlns:a16="http://schemas.microsoft.com/office/drawing/2014/main" id="{11B96653-B041-30CA-6637-6748A2D0C23B}"/>
               </a:ext>
             </a:extLst>
           </p:cNvPr>
@@ -2902,7 +2902,7 @@
             </a:lvl1pPr>
           </a:lstStyle>
           <a:p>
-            <a:fld id="{D21516F7-807E-419C-BBF9-25BBD7E3993B}" type="datetimeFigureOut">
+            <a:fld id="{930A214D-573D-4CC5-AA6A-CCFCD709F5EC}" type="datetimeFigureOut">
               <a:rPr lang="zh-CN" altLang="en-US" smtClean="0"/>
               <a:t>2024/3/10</a:t>
             </a:fld>
@@ -2915,7 +2915,7 @@
           <p:cNvPr id="5" name="页脚占位符 4">
             <a:extLst>
               <a:ext uri="{FF2B5EF4-FFF2-40B4-BE49-F238E27FC236}">
-                <a16:creationId xmlns:a16="http://schemas.microsoft.com/office/drawing/2014/main" id="{8E4D65C4-DB74-0497-3D13-F368447D3192}"/>
+                <a16:creationId xmlns:a16="http://schemas.microsoft.com/office/drawing/2014/main" id="{C4885749-380F-DD1B-3271-4C6494F047BD}"/>
               </a:ext>
             </a:extLst>
           </p:cNvPr>
@@ -2958,7 +2958,7 @@
           <p:cNvPr id="6" name="灯片编号占位符 5">
             <a:extLst>
               <a:ext uri="{FF2B5EF4-FFF2-40B4-BE49-F238E27FC236}">
-                <a16:creationId xmlns:a16="http://schemas.microsoft.com/office/drawing/2014/main" id="{ADBCC29D-D7E2-4001-2FF6-4CC1A61903D0}"/>
+                <a16:creationId xmlns:a16="http://schemas.microsoft.com/office/drawing/2014/main" id="{7227EE53-318A-33C2-089C-8D2E0F7503C5}"/>
               </a:ext>
             </a:extLst>
           </p:cNvPr>
@@ -2992,7 +2992,7 @@
             </a:lvl1pPr>
           </a:lstStyle>
           <a:p>
-            <a:fld id="{F308143A-419B-4C52-9C36-8E0E05C150DE}" type="slidenum">
+            <a:fld id="{36A8382C-770C-44C0-B185-49E8E5710AE1}" type="slidenum">
               <a:rPr lang="zh-CN" altLang="en-US" smtClean="0"/>
               <a:t>‹#›</a:t>
             </a:fld>
@@ -3003,7 +3003,7 @@
     </p:spTree>
     <p:extLst>
       <p:ext uri="{BB962C8B-B14F-4D97-AF65-F5344CB8AC3E}">
-        <p14:creationId xmlns:p14="http://schemas.microsoft.com/office/powerpoint/2010/main" val="2137412602"/>
+        <p14:creationId xmlns:p14="http://schemas.microsoft.com/office/powerpoint/2010/main" val="3660715062"/>
       </p:ext>
     </p:extLst>
   </p:cSld>
@@ -3323,7 +3323,7 @@
       </p:grpSpPr>
       <p:pic>
         <p:nvPicPr>
-          <p:cNvPr id="1549314" name="Picture 2" descr="1512"/>
+          <p:cNvPr id="1550338" name="Picture 2" descr="1513"/>
           <p:cNvPicPr>
             <a:picLocks noChangeAspect="1" noChangeArrowheads="1"/>
           </p:cNvPicPr>
@@ -3344,8 +3344,8 @@
         </p:blipFill>
         <p:spPr bwMode="auto">
           <a:xfrm>
-            <a:off x="1524000" y="1"/>
-            <a:ext cx="9144000" cy="5807075"/>
+            <a:off x="1524000" y="0"/>
+            <a:ext cx="9144000" cy="6858000"/>
           </a:xfrm>
           <a:prstGeom prst="rect">
             <a:avLst/>
